--- a/project/라이브러리/javascript/dataTable/dataTable Library(javascript).pptx
+++ b/project/라이브러리/javascript/dataTable/dataTable Library(javascript).pptx
@@ -9,6 +9,7 @@
     <p:sldId id="257" r:id="rId3"/>
     <p:sldId id="258" r:id="rId4"/>
     <p:sldId id="259" r:id="rId5"/>
+    <p:sldId id="260" r:id="rId6"/>
   </p:sldIdLst>
   <p:sldSz cx="12192000" cy="6858000"/>
   <p:notesSz cx="6858000" cy="9144000"/>
@@ -107,6 +108,11 @@
       </a:defRPr>
     </a:lvl9pPr>
   </p:defaultTextStyle>
+  <p:extLst>
+    <p:ext uri="{EFAFB233-063F-42B5-8137-9DF3F51BA10A}">
+      <p15:sldGuideLst xmlns:p15="http://schemas.microsoft.com/office/powerpoint/2012/main"/>
+    </p:ext>
+  </p:extLst>
 </p:presentation>
 </file>
 
@@ -4559,6 +4565,538 @@
 </p:sld>
 </file>
 
+<file path=ppt/slides/slide5.xml><?xml version="1.0" encoding="utf-8"?>
+<p:sld xmlns:a="http://schemas.openxmlformats.org/drawingml/2006/main" xmlns:r="http://schemas.openxmlformats.org/officeDocument/2006/relationships" xmlns:p="http://schemas.openxmlformats.org/presentationml/2006/main">
+  <p:cSld>
+    <p:spTree>
+      <p:nvGrpSpPr>
+        <p:cNvPr id="1" name=""/>
+        <p:cNvGrpSpPr/>
+        <p:nvPr/>
+      </p:nvGrpSpPr>
+      <p:grpSpPr>
+        <a:xfrm>
+          <a:off x="0" y="0"/>
+          <a:ext cx="0" cy="0"/>
+          <a:chOff x="0" y="0"/>
+          <a:chExt cx="0" cy="0"/>
+        </a:xfrm>
+      </p:grpSpPr>
+      <p:sp>
+        <p:nvSpPr>
+          <p:cNvPr id="2" name="TextBox 1"/>
+          <p:cNvSpPr txBox="1"/>
+          <p:nvPr/>
+        </p:nvSpPr>
+        <p:spPr>
+          <a:xfrm>
+            <a:off x="121190" y="223935"/>
+            <a:ext cx="5019867" cy="276999"/>
+          </a:xfrm>
+          <a:prstGeom prst="rect">
+            <a:avLst/>
+          </a:prstGeom>
+          <a:noFill/>
+        </p:spPr>
+        <p:txBody>
+          <a:bodyPr wrap="square" rtlCol="0">
+            <a:spAutoFit/>
+          </a:bodyPr>
+          <a:lstStyle/>
+          <a:p>
+            <a:r>
+              <a:rPr lang="en-US" altLang="ko-KR" sz="1200" dirty="0"/>
+              <a:t>4</a:t>
+            </a:r>
+            <a:r>
+              <a:rPr lang="en-US" altLang="ko-KR" sz="1200" dirty="0" smtClean="0"/>
+              <a:t>. </a:t>
+            </a:r>
+            <a:r>
+              <a:rPr lang="ko-KR" altLang="en-US" sz="1200" dirty="0" smtClean="0"/>
+              <a:t>구현 </a:t>
+            </a:r>
+            <a:r>
+              <a:rPr lang="en-US" altLang="ko-KR" sz="1200" dirty="0" smtClean="0"/>
+              <a:t>: </a:t>
+            </a:r>
+            <a:r>
+              <a:rPr lang="en-US" altLang="ko-KR" sz="1200" dirty="0" err="1" smtClean="0"/>
+              <a:t>DataTable</a:t>
+            </a:r>
+            <a:r>
+              <a:rPr lang="en-US" altLang="ko-KR" sz="1200" dirty="0" smtClean="0"/>
+              <a:t> scroll </a:t>
+            </a:r>
+            <a:r>
+              <a:rPr lang="ko-KR" altLang="en-US" sz="1200" dirty="0" smtClean="0"/>
+              <a:t>제어 </a:t>
+            </a:r>
+            <a:endParaRPr lang="ko-KR" altLang="en-US" sz="1200" dirty="0"/>
+          </a:p>
+        </p:txBody>
+      </p:sp>
+      <p:pic>
+        <p:nvPicPr>
+          <p:cNvPr id="3" name="그림 2"/>
+          <p:cNvPicPr>
+            <a:picLocks noChangeAspect="1"/>
+          </p:cNvPicPr>
+          <p:nvPr/>
+        </p:nvPicPr>
+        <p:blipFill>
+          <a:blip r:embed="rId2"/>
+          <a:stretch>
+            <a:fillRect/>
+          </a:stretch>
+        </p:blipFill>
+        <p:spPr>
+          <a:xfrm>
+            <a:off x="121190" y="650789"/>
+            <a:ext cx="7118869" cy="5630162"/>
+          </a:xfrm>
+          <a:prstGeom prst="rect">
+            <a:avLst/>
+          </a:prstGeom>
+        </p:spPr>
+      </p:pic>
+      <p:sp>
+        <p:nvSpPr>
+          <p:cNvPr id="4" name="TextBox 3"/>
+          <p:cNvSpPr txBox="1"/>
+          <p:nvPr/>
+        </p:nvSpPr>
+        <p:spPr>
+          <a:xfrm>
+            <a:off x="7364627" y="650789"/>
+            <a:ext cx="4621427" cy="3016210"/>
+          </a:xfrm>
+          <a:prstGeom prst="rect">
+            <a:avLst/>
+          </a:prstGeom>
+          <a:noFill/>
+        </p:spPr>
+        <p:txBody>
+          <a:bodyPr wrap="square" rtlCol="0">
+            <a:spAutoFit/>
+          </a:bodyPr>
+          <a:lstStyle/>
+          <a:p>
+            <a:r>
+              <a:rPr lang="en-US" altLang="ko-KR" sz="1000" dirty="0" smtClean="0"/>
+              <a:t>540~541 line -&gt; </a:t>
+            </a:r>
+            <a:r>
+              <a:rPr lang="ko-KR" altLang="en-US" sz="1000" dirty="0" smtClean="0"/>
+              <a:t>현재 선택된 </a:t>
+            </a:r>
+            <a:r>
+              <a:rPr lang="en-US" altLang="ko-KR" sz="1000" dirty="0" err="1" smtClean="0"/>
+              <a:t>tr</a:t>
+            </a:r>
+            <a:r>
+              <a:rPr lang="ko-KR" altLang="en-US" sz="1000" dirty="0" err="1" smtClean="0"/>
+              <a:t>노드와</a:t>
+            </a:r>
+            <a:r>
+              <a:rPr lang="ko-KR" altLang="en-US" sz="1000" dirty="0" smtClean="0"/>
+              <a:t> 이전 </a:t>
+            </a:r>
+            <a:r>
+              <a:rPr lang="en-US" altLang="ko-KR" sz="1000" dirty="0" err="1" smtClean="0"/>
+              <a:t>tr</a:t>
+            </a:r>
+            <a:r>
+              <a:rPr lang="en-US" altLang="ko-KR" sz="1000" dirty="0" smtClean="0"/>
+              <a:t> </a:t>
+            </a:r>
+            <a:r>
+              <a:rPr lang="ko-KR" altLang="en-US" sz="1000" dirty="0" err="1" smtClean="0"/>
+              <a:t>노드를</a:t>
+            </a:r>
+            <a:r>
+              <a:rPr lang="ko-KR" altLang="en-US" sz="1000" dirty="0" smtClean="0"/>
+              <a:t> 저장한다</a:t>
+            </a:r>
+            <a:r>
+              <a:rPr lang="en-US" altLang="ko-KR" sz="1000" dirty="0" smtClean="0"/>
+              <a:t>.</a:t>
+            </a:r>
+          </a:p>
+          <a:p>
+            <a:endParaRPr lang="en-US" altLang="ko-KR" sz="1000" dirty="0"/>
+          </a:p>
+          <a:p>
+            <a:r>
+              <a:rPr lang="en-US" altLang="ko-KR" sz="1000" dirty="0" smtClean="0"/>
+              <a:t>543~545 line -&gt; data-selected </a:t>
+            </a:r>
+            <a:r>
+              <a:rPr lang="ko-KR" altLang="en-US" sz="1000" dirty="0"/>
+              <a:t> </a:t>
+            </a:r>
+            <a:r>
+              <a:rPr lang="ko-KR" altLang="en-US" sz="1000" dirty="0" smtClean="0"/>
+              <a:t>속성은 현재 선택된 </a:t>
+            </a:r>
+            <a:r>
+              <a:rPr lang="ko-KR" altLang="en-US" sz="1000" dirty="0" err="1" smtClean="0"/>
+              <a:t>노드</a:t>
+            </a:r>
+            <a:r>
+              <a:rPr lang="en-US" altLang="ko-KR" sz="1000" dirty="0" smtClean="0"/>
+              <a:t>(</a:t>
+            </a:r>
+            <a:r>
+              <a:rPr lang="en-US" altLang="ko-KR" sz="1000" dirty="0" err="1" smtClean="0"/>
+              <a:t>tr</a:t>
+            </a:r>
+            <a:r>
+              <a:rPr lang="ko-KR" altLang="en-US" sz="1000" dirty="0" smtClean="0"/>
+              <a:t>태그</a:t>
+            </a:r>
+            <a:r>
+              <a:rPr lang="en-US" altLang="ko-KR" sz="1000" dirty="0" smtClean="0"/>
+              <a:t>)</a:t>
+            </a:r>
+            <a:r>
+              <a:rPr lang="ko-KR" altLang="en-US" sz="1000" dirty="0" smtClean="0"/>
+              <a:t>를 의미하며</a:t>
+            </a:r>
+            <a:r>
+              <a:rPr lang="en-US" altLang="ko-KR" sz="1000" dirty="0" smtClean="0"/>
+              <a:t>, </a:t>
+            </a:r>
+            <a:r>
+              <a:rPr lang="ko-KR" altLang="en-US" sz="1000" dirty="0" smtClean="0"/>
+              <a:t>이전 버튼 클릭 시에 현재 선택된 </a:t>
+            </a:r>
+            <a:r>
+              <a:rPr lang="ko-KR" altLang="en-US" sz="1000" dirty="0" err="1" smtClean="0"/>
+              <a:t>기준노드에서</a:t>
+            </a:r>
+            <a:r>
+              <a:rPr lang="ko-KR" altLang="en-US" sz="1000" dirty="0" smtClean="0"/>
+              <a:t> 이전 </a:t>
+            </a:r>
+            <a:r>
+              <a:rPr lang="en-US" altLang="ko-KR" sz="1000" dirty="0" err="1" smtClean="0"/>
+              <a:t>tr</a:t>
+            </a:r>
+            <a:r>
+              <a:rPr lang="ko-KR" altLang="en-US" sz="1000" dirty="0" err="1" smtClean="0"/>
+              <a:t>노드를</a:t>
+            </a:r>
+            <a:r>
+              <a:rPr lang="ko-KR" altLang="en-US" sz="1000" dirty="0" smtClean="0"/>
+              <a:t> 선택이 되어진 </a:t>
+            </a:r>
+            <a:r>
+              <a:rPr lang="ko-KR" altLang="en-US" sz="1000" dirty="0" err="1" smtClean="0"/>
+              <a:t>노드로</a:t>
+            </a:r>
+            <a:r>
+              <a:rPr lang="ko-KR" altLang="en-US" sz="1000" dirty="0" smtClean="0"/>
+              <a:t> 변경하는 코드이다</a:t>
+            </a:r>
+            <a:r>
+              <a:rPr lang="en-US" altLang="ko-KR" sz="1000" dirty="0" smtClean="0"/>
+              <a:t>.</a:t>
+            </a:r>
+          </a:p>
+          <a:p>
+            <a:endParaRPr lang="en-US" altLang="ko-KR" sz="1000" dirty="0"/>
+          </a:p>
+          <a:p>
+            <a:r>
+              <a:rPr lang="en-US" altLang="ko-KR" sz="1000" dirty="0" smtClean="0"/>
+              <a:t>551~555 line -&gt; </a:t>
+            </a:r>
+            <a:r>
+              <a:rPr lang="ko-KR" altLang="en-US" sz="1000" dirty="0" err="1" smtClean="0"/>
+              <a:t>현재노드와</a:t>
+            </a:r>
+            <a:r>
+              <a:rPr lang="ko-KR" altLang="en-US" sz="1000" dirty="0" smtClean="0"/>
+              <a:t> 이전 </a:t>
+            </a:r>
+            <a:r>
+              <a:rPr lang="ko-KR" altLang="en-US" sz="1000" dirty="0" err="1" smtClean="0"/>
+              <a:t>노드의</a:t>
+            </a:r>
+            <a:r>
+              <a:rPr lang="ko-KR" altLang="en-US" sz="1000" dirty="0" smtClean="0"/>
+              <a:t> 간격 </a:t>
+            </a:r>
+            <a:r>
+              <a:rPr lang="en-US" altLang="ko-KR" sz="1000" dirty="0" smtClean="0"/>
+              <a:t>pixel</a:t>
+            </a:r>
+            <a:r>
+              <a:rPr lang="ko-KR" altLang="en-US" sz="1000" dirty="0" smtClean="0"/>
+              <a:t>을 구하는 코드이다</a:t>
+            </a:r>
+            <a:r>
+              <a:rPr lang="en-US" altLang="ko-KR" sz="1000" dirty="0" smtClean="0"/>
+              <a:t>.</a:t>
+            </a:r>
+          </a:p>
+          <a:p>
+            <a:endParaRPr lang="en-US" altLang="ko-KR" sz="1000" dirty="0" smtClean="0"/>
+          </a:p>
+          <a:p>
+            <a:r>
+              <a:rPr lang="en-US" altLang="ko-KR" sz="1000" dirty="0" smtClean="0"/>
+              <a:t>560 line -&gt; </a:t>
+            </a:r>
+            <a:r>
+              <a:rPr lang="ko-KR" altLang="en-US" sz="1000" dirty="0" smtClean="0"/>
+              <a:t>변경되어지는 선택된 </a:t>
+            </a:r>
+            <a:r>
+              <a:rPr lang="ko-KR" altLang="en-US" sz="1000" dirty="0" err="1" smtClean="0"/>
+              <a:t>노드는</a:t>
+            </a:r>
+            <a:r>
+              <a:rPr lang="ko-KR" altLang="en-US" sz="1000" dirty="0" smtClean="0"/>
+              <a:t> </a:t>
+            </a:r>
+            <a:r>
+              <a:rPr lang="ko-KR" altLang="en-US" sz="1000" dirty="0" err="1" smtClean="0"/>
+              <a:t>이전노드임으로</a:t>
+            </a:r>
+            <a:r>
+              <a:rPr lang="ko-KR" altLang="en-US" sz="1000" dirty="0" smtClean="0"/>
+              <a:t> </a:t>
+            </a:r>
+            <a:r>
+              <a:rPr lang="ko-KR" altLang="en-US" sz="1000" dirty="0" err="1" smtClean="0"/>
+              <a:t>이전노드의</a:t>
+            </a:r>
+            <a:r>
+              <a:rPr lang="ko-KR" altLang="en-US" sz="1000" dirty="0" smtClean="0"/>
+              <a:t> </a:t>
+            </a:r>
+            <a:r>
+              <a:rPr lang="en-US" altLang="ko-KR" sz="1000" dirty="0" smtClean="0"/>
+              <a:t>index </a:t>
+            </a:r>
+            <a:r>
+              <a:rPr lang="ko-KR" altLang="en-US" sz="1000" dirty="0" smtClean="0"/>
+              <a:t>번호를 가져오는 코드이다</a:t>
+            </a:r>
+            <a:r>
+              <a:rPr lang="en-US" altLang="ko-KR" sz="1000" dirty="0" smtClean="0"/>
+              <a:t>.</a:t>
+            </a:r>
+          </a:p>
+          <a:p>
+            <a:endParaRPr lang="en-US" altLang="ko-KR" sz="1000" dirty="0"/>
+          </a:p>
+          <a:p>
+            <a:r>
+              <a:rPr lang="en-US" altLang="ko-KR" sz="1000" dirty="0" smtClean="0"/>
+              <a:t>562 line -&gt; </a:t>
+            </a:r>
+            <a:r>
+              <a:rPr lang="en-US" altLang="ko-KR" sz="1000" dirty="0" err="1" smtClean="0"/>
+              <a:t>div_offset</a:t>
+            </a:r>
+            <a:r>
+              <a:rPr lang="en-US" altLang="ko-KR" sz="1000" dirty="0" smtClean="0"/>
+              <a:t> </a:t>
+            </a:r>
+            <a:r>
+              <a:rPr lang="ko-KR" altLang="en-US" sz="1000" dirty="0" smtClean="0"/>
+              <a:t>과 </a:t>
+            </a:r>
+            <a:r>
+              <a:rPr lang="en-US" altLang="ko-KR" sz="1000" dirty="0" err="1" smtClean="0"/>
+              <a:t>prev_index</a:t>
+            </a:r>
+            <a:r>
+              <a:rPr lang="ko-KR" altLang="en-US" sz="1000" dirty="0" smtClean="0"/>
+              <a:t>를 곱하면 선택된 </a:t>
+            </a:r>
+            <a:r>
+              <a:rPr lang="ko-KR" altLang="en-US" sz="1000" dirty="0" err="1" smtClean="0"/>
+              <a:t>노드의</a:t>
+            </a:r>
+            <a:r>
+              <a:rPr lang="ko-KR" altLang="en-US" sz="1000" dirty="0" smtClean="0"/>
+              <a:t> </a:t>
+            </a:r>
+            <a:r>
+              <a:rPr lang="en-US" altLang="ko-KR" sz="1000" dirty="0" err="1" smtClean="0"/>
+              <a:t>scrollY</a:t>
+            </a:r>
+            <a:r>
+              <a:rPr lang="en-US" altLang="ko-KR" sz="1000" dirty="0" smtClean="0"/>
+              <a:t> offset</a:t>
+            </a:r>
+            <a:r>
+              <a:rPr lang="ko-KR" altLang="en-US" sz="1000" dirty="0" smtClean="0"/>
+              <a:t>을 </a:t>
+            </a:r>
+            <a:r>
+              <a:rPr lang="ko-KR" altLang="en-US" sz="1000" dirty="0" err="1" smtClean="0"/>
+              <a:t>구할수</a:t>
+            </a:r>
+            <a:r>
+              <a:rPr lang="ko-KR" altLang="en-US" sz="1000" dirty="0" smtClean="0"/>
+              <a:t> 있다</a:t>
+            </a:r>
+            <a:r>
+              <a:rPr lang="en-US" altLang="ko-KR" sz="1000" dirty="0" smtClean="0"/>
+              <a:t>.</a:t>
+            </a:r>
+          </a:p>
+          <a:p>
+            <a:endParaRPr lang="en-US" altLang="ko-KR" sz="1000" dirty="0"/>
+          </a:p>
+          <a:p>
+            <a:r>
+              <a:rPr lang="en-US" altLang="ko-KR" sz="1000" dirty="0" smtClean="0"/>
+              <a:t>565 line  -&gt; </a:t>
+            </a:r>
+            <a:r>
+              <a:rPr lang="en-US" altLang="ko-KR" sz="1000" dirty="0" err="1" smtClean="0"/>
+              <a:t>datatable</a:t>
+            </a:r>
+            <a:r>
+              <a:rPr lang="ko-KR" altLang="en-US" sz="1000" dirty="0" smtClean="0"/>
+              <a:t>의 </a:t>
+            </a:r>
+            <a:r>
+              <a:rPr lang="en-US" altLang="ko-KR" sz="1000" dirty="0" smtClean="0"/>
+              <a:t>scroll </a:t>
+            </a:r>
+            <a:r>
+              <a:rPr lang="ko-KR" altLang="en-US" sz="1000" dirty="0" smtClean="0"/>
+              <a:t>옵션을 활성화하면 </a:t>
+            </a:r>
+            <a:r>
+              <a:rPr lang="en-US" altLang="ko-KR" sz="1000" dirty="0" smtClean="0"/>
+              <a:t>.</a:t>
+            </a:r>
+            <a:r>
+              <a:rPr lang="en-US" altLang="ko-KR" sz="1000" dirty="0" err="1" smtClean="0"/>
+              <a:t>dataTables_scrollBody</a:t>
+            </a:r>
+            <a:r>
+              <a:rPr lang="en-US" altLang="ko-KR" sz="1000" dirty="0" smtClean="0"/>
+              <a:t> </a:t>
+            </a:r>
+            <a:r>
+              <a:rPr lang="ko-KR" altLang="en-US" sz="1000" dirty="0" smtClean="0"/>
+              <a:t>클래스의 </a:t>
+            </a:r>
+            <a:r>
+              <a:rPr lang="en-US" altLang="ko-KR" sz="1000" dirty="0" smtClean="0"/>
+              <a:t>div</a:t>
+            </a:r>
+            <a:r>
+              <a:rPr lang="ko-KR" altLang="en-US" sz="1000" dirty="0" smtClean="0"/>
+              <a:t>가 생성되며 해당 </a:t>
+            </a:r>
+            <a:r>
+              <a:rPr lang="en-US" altLang="ko-KR" sz="1000" dirty="0" smtClean="0"/>
+              <a:t>div</a:t>
+            </a:r>
+            <a:r>
+              <a:rPr lang="ko-KR" altLang="en-US" sz="1000" dirty="0" smtClean="0"/>
+              <a:t>내 스크롤이 생성된다</a:t>
+            </a:r>
+            <a:r>
+              <a:rPr lang="en-US" altLang="ko-KR" sz="1000" dirty="0" smtClean="0"/>
+              <a:t>. </a:t>
+            </a:r>
+            <a:r>
+              <a:rPr lang="ko-KR" altLang="en-US" sz="1000" dirty="0" smtClean="0"/>
+              <a:t>그러므로 해당 </a:t>
+            </a:r>
+            <a:r>
+              <a:rPr lang="en-US" altLang="ko-KR" sz="1000" dirty="0" smtClean="0"/>
+              <a:t>div</a:t>
+            </a:r>
+            <a:r>
+              <a:rPr lang="ko-KR" altLang="en-US" sz="1000" dirty="0" smtClean="0"/>
+              <a:t>에서 </a:t>
+            </a:r>
+            <a:r>
+              <a:rPr lang="en-US" altLang="ko-KR" sz="1000" dirty="0" err="1" smtClean="0"/>
+              <a:t>scrollTop</a:t>
+            </a:r>
+            <a:r>
+              <a:rPr lang="en-US" altLang="ko-KR" sz="1000" dirty="0" smtClean="0"/>
+              <a:t> </a:t>
+            </a:r>
+            <a:r>
+              <a:rPr lang="ko-KR" altLang="en-US" sz="1000" dirty="0" smtClean="0"/>
+              <a:t>함수를 통하여 최종 </a:t>
+            </a:r>
+            <a:r>
+              <a:rPr lang="en-US" altLang="ko-KR" sz="1000" dirty="0" smtClean="0"/>
+              <a:t>scroll offset</a:t>
+            </a:r>
+            <a:r>
+              <a:rPr lang="ko-KR" altLang="en-US" sz="1000" dirty="0" smtClean="0"/>
+              <a:t>을 </a:t>
+            </a:r>
+            <a:r>
+              <a:rPr lang="ko-KR" altLang="en-US" sz="1000" dirty="0" err="1" smtClean="0"/>
+              <a:t>셋팅하면</a:t>
+            </a:r>
+            <a:r>
+              <a:rPr lang="ko-KR" altLang="en-US" sz="1000" dirty="0" smtClean="0"/>
+              <a:t> 된다</a:t>
+            </a:r>
+            <a:r>
+              <a:rPr lang="en-US" altLang="ko-KR" sz="1000" dirty="0" smtClean="0"/>
+              <a:t>.</a:t>
+            </a:r>
+          </a:p>
+          <a:p>
+            <a:endParaRPr lang="en-US" altLang="ko-KR" sz="1000" dirty="0"/>
+          </a:p>
+          <a:p>
+            <a:r>
+              <a:rPr lang="en-US" altLang="ko-KR" sz="1000" dirty="0" smtClean="0"/>
+              <a:t>※558line</a:t>
+            </a:r>
+            <a:r>
+              <a:rPr lang="ko-KR" altLang="en-US" sz="1000" dirty="0" smtClean="0"/>
+              <a:t>은 잘못된 코드</a:t>
+            </a:r>
+            <a:r>
+              <a:rPr lang="en-US" altLang="ko-KR" sz="1000" dirty="0" smtClean="0"/>
+              <a:t>(</a:t>
+            </a:r>
+            <a:r>
+              <a:rPr lang="ko-KR" altLang="en-US" sz="1000" dirty="0" smtClean="0"/>
+              <a:t>무시</a:t>
+            </a:r>
+            <a:r>
+              <a:rPr lang="en-US" altLang="ko-KR" sz="1000" smtClean="0"/>
+              <a:t>)</a:t>
+            </a:r>
+            <a:endParaRPr lang="ko-KR" altLang="en-US" sz="1000" dirty="0"/>
+          </a:p>
+        </p:txBody>
+      </p:sp>
+    </p:spTree>
+    <p:extLst>
+      <p:ext uri="{BB962C8B-B14F-4D97-AF65-F5344CB8AC3E}">
+        <p14:creationId xmlns:p14="http://schemas.microsoft.com/office/powerpoint/2010/main" val="818123536"/>
+      </p:ext>
+    </p:extLst>
+  </p:cSld>
+  <p:clrMapOvr>
+    <a:masterClrMapping/>
+  </p:clrMapOvr>
+</p:sld>
+</file>
+
 <file path=ppt/theme/theme1.xml><?xml version="1.0" encoding="utf-8"?>
 <a:theme xmlns:a="http://schemas.openxmlformats.org/drawingml/2006/main" name="Office 테마">
   <a:themeElements>

--- a/project/라이브러리/javascript/dataTable/dataTable Library(javascript).pptx
+++ b/project/라이브러리/javascript/dataTable/dataTable Library(javascript).pptx
@@ -9,7 +9,6 @@
     <p:sldId id="257" r:id="rId3"/>
     <p:sldId id="258" r:id="rId4"/>
     <p:sldId id="259" r:id="rId5"/>
-    <p:sldId id="260" r:id="rId6"/>
   </p:sldIdLst>
   <p:sldSz cx="12192000" cy="6858000"/>
   <p:notesSz cx="6858000" cy="9144000"/>
@@ -108,11 +107,6 @@
       </a:defRPr>
     </a:lvl9pPr>
   </p:defaultTextStyle>
-  <p:extLst>
-    <p:ext uri="{EFAFB233-063F-42B5-8137-9DF3F51BA10A}">
-      <p15:sldGuideLst xmlns:p15="http://schemas.microsoft.com/office/powerpoint/2012/main"/>
-    </p:ext>
-  </p:extLst>
 </p:presentation>
 </file>
 
@@ -4565,538 +4559,6 @@
 </p:sld>
 </file>
 
-<file path=ppt/slides/slide5.xml><?xml version="1.0" encoding="utf-8"?>
-<p:sld xmlns:a="http://schemas.openxmlformats.org/drawingml/2006/main" xmlns:r="http://schemas.openxmlformats.org/officeDocument/2006/relationships" xmlns:p="http://schemas.openxmlformats.org/presentationml/2006/main">
-  <p:cSld>
-    <p:spTree>
-      <p:nvGrpSpPr>
-        <p:cNvPr id="1" name=""/>
-        <p:cNvGrpSpPr/>
-        <p:nvPr/>
-      </p:nvGrpSpPr>
-      <p:grpSpPr>
-        <a:xfrm>
-          <a:off x="0" y="0"/>
-          <a:ext cx="0" cy="0"/>
-          <a:chOff x="0" y="0"/>
-          <a:chExt cx="0" cy="0"/>
-        </a:xfrm>
-      </p:grpSpPr>
-      <p:sp>
-        <p:nvSpPr>
-          <p:cNvPr id="2" name="TextBox 1"/>
-          <p:cNvSpPr txBox="1"/>
-          <p:nvPr/>
-        </p:nvSpPr>
-        <p:spPr>
-          <a:xfrm>
-            <a:off x="121190" y="223935"/>
-            <a:ext cx="5019867" cy="276999"/>
-          </a:xfrm>
-          <a:prstGeom prst="rect">
-            <a:avLst/>
-          </a:prstGeom>
-          <a:noFill/>
-        </p:spPr>
-        <p:txBody>
-          <a:bodyPr wrap="square" rtlCol="0">
-            <a:spAutoFit/>
-          </a:bodyPr>
-          <a:lstStyle/>
-          <a:p>
-            <a:r>
-              <a:rPr lang="en-US" altLang="ko-KR" sz="1200" dirty="0"/>
-              <a:t>4</a:t>
-            </a:r>
-            <a:r>
-              <a:rPr lang="en-US" altLang="ko-KR" sz="1200" dirty="0" smtClean="0"/>
-              <a:t>. </a:t>
-            </a:r>
-            <a:r>
-              <a:rPr lang="ko-KR" altLang="en-US" sz="1200" dirty="0" smtClean="0"/>
-              <a:t>구현 </a:t>
-            </a:r>
-            <a:r>
-              <a:rPr lang="en-US" altLang="ko-KR" sz="1200" dirty="0" smtClean="0"/>
-              <a:t>: </a:t>
-            </a:r>
-            <a:r>
-              <a:rPr lang="en-US" altLang="ko-KR" sz="1200" dirty="0" err="1" smtClean="0"/>
-              <a:t>DataTable</a:t>
-            </a:r>
-            <a:r>
-              <a:rPr lang="en-US" altLang="ko-KR" sz="1200" dirty="0" smtClean="0"/>
-              <a:t> scroll </a:t>
-            </a:r>
-            <a:r>
-              <a:rPr lang="ko-KR" altLang="en-US" sz="1200" dirty="0" smtClean="0"/>
-              <a:t>제어 </a:t>
-            </a:r>
-            <a:endParaRPr lang="ko-KR" altLang="en-US" sz="1200" dirty="0"/>
-          </a:p>
-        </p:txBody>
-      </p:sp>
-      <p:pic>
-        <p:nvPicPr>
-          <p:cNvPr id="3" name="그림 2"/>
-          <p:cNvPicPr>
-            <a:picLocks noChangeAspect="1"/>
-          </p:cNvPicPr>
-          <p:nvPr/>
-        </p:nvPicPr>
-        <p:blipFill>
-          <a:blip r:embed="rId2"/>
-          <a:stretch>
-            <a:fillRect/>
-          </a:stretch>
-        </p:blipFill>
-        <p:spPr>
-          <a:xfrm>
-            <a:off x="121190" y="650789"/>
-            <a:ext cx="7118869" cy="5630162"/>
-          </a:xfrm>
-          <a:prstGeom prst="rect">
-            <a:avLst/>
-          </a:prstGeom>
-        </p:spPr>
-      </p:pic>
-      <p:sp>
-        <p:nvSpPr>
-          <p:cNvPr id="4" name="TextBox 3"/>
-          <p:cNvSpPr txBox="1"/>
-          <p:nvPr/>
-        </p:nvSpPr>
-        <p:spPr>
-          <a:xfrm>
-            <a:off x="7364627" y="650789"/>
-            <a:ext cx="4621427" cy="3016210"/>
-          </a:xfrm>
-          <a:prstGeom prst="rect">
-            <a:avLst/>
-          </a:prstGeom>
-          <a:noFill/>
-        </p:spPr>
-        <p:txBody>
-          <a:bodyPr wrap="square" rtlCol="0">
-            <a:spAutoFit/>
-          </a:bodyPr>
-          <a:lstStyle/>
-          <a:p>
-            <a:r>
-              <a:rPr lang="en-US" altLang="ko-KR" sz="1000" dirty="0" smtClean="0"/>
-              <a:t>540~541 line -&gt; </a:t>
-            </a:r>
-            <a:r>
-              <a:rPr lang="ko-KR" altLang="en-US" sz="1000" dirty="0" smtClean="0"/>
-              <a:t>현재 선택된 </a:t>
-            </a:r>
-            <a:r>
-              <a:rPr lang="en-US" altLang="ko-KR" sz="1000" dirty="0" err="1" smtClean="0"/>
-              <a:t>tr</a:t>
-            </a:r>
-            <a:r>
-              <a:rPr lang="ko-KR" altLang="en-US" sz="1000" dirty="0" err="1" smtClean="0"/>
-              <a:t>노드와</a:t>
-            </a:r>
-            <a:r>
-              <a:rPr lang="ko-KR" altLang="en-US" sz="1000" dirty="0" smtClean="0"/>
-              <a:t> 이전 </a:t>
-            </a:r>
-            <a:r>
-              <a:rPr lang="en-US" altLang="ko-KR" sz="1000" dirty="0" err="1" smtClean="0"/>
-              <a:t>tr</a:t>
-            </a:r>
-            <a:r>
-              <a:rPr lang="en-US" altLang="ko-KR" sz="1000" dirty="0" smtClean="0"/>
-              <a:t> </a:t>
-            </a:r>
-            <a:r>
-              <a:rPr lang="ko-KR" altLang="en-US" sz="1000" dirty="0" err="1" smtClean="0"/>
-              <a:t>노드를</a:t>
-            </a:r>
-            <a:r>
-              <a:rPr lang="ko-KR" altLang="en-US" sz="1000" dirty="0" smtClean="0"/>
-              <a:t> 저장한다</a:t>
-            </a:r>
-            <a:r>
-              <a:rPr lang="en-US" altLang="ko-KR" sz="1000" dirty="0" smtClean="0"/>
-              <a:t>.</a:t>
-            </a:r>
-          </a:p>
-          <a:p>
-            <a:endParaRPr lang="en-US" altLang="ko-KR" sz="1000" dirty="0"/>
-          </a:p>
-          <a:p>
-            <a:r>
-              <a:rPr lang="en-US" altLang="ko-KR" sz="1000" dirty="0" smtClean="0"/>
-              <a:t>543~545 line -&gt; data-selected </a:t>
-            </a:r>
-            <a:r>
-              <a:rPr lang="ko-KR" altLang="en-US" sz="1000" dirty="0"/>
-              <a:t> </a:t>
-            </a:r>
-            <a:r>
-              <a:rPr lang="ko-KR" altLang="en-US" sz="1000" dirty="0" smtClean="0"/>
-              <a:t>속성은 현재 선택된 </a:t>
-            </a:r>
-            <a:r>
-              <a:rPr lang="ko-KR" altLang="en-US" sz="1000" dirty="0" err="1" smtClean="0"/>
-              <a:t>노드</a:t>
-            </a:r>
-            <a:r>
-              <a:rPr lang="en-US" altLang="ko-KR" sz="1000" dirty="0" smtClean="0"/>
-              <a:t>(</a:t>
-            </a:r>
-            <a:r>
-              <a:rPr lang="en-US" altLang="ko-KR" sz="1000" dirty="0" err="1" smtClean="0"/>
-              <a:t>tr</a:t>
-            </a:r>
-            <a:r>
-              <a:rPr lang="ko-KR" altLang="en-US" sz="1000" dirty="0" smtClean="0"/>
-              <a:t>태그</a:t>
-            </a:r>
-            <a:r>
-              <a:rPr lang="en-US" altLang="ko-KR" sz="1000" dirty="0" smtClean="0"/>
-              <a:t>)</a:t>
-            </a:r>
-            <a:r>
-              <a:rPr lang="ko-KR" altLang="en-US" sz="1000" dirty="0" smtClean="0"/>
-              <a:t>를 의미하며</a:t>
-            </a:r>
-            <a:r>
-              <a:rPr lang="en-US" altLang="ko-KR" sz="1000" dirty="0" smtClean="0"/>
-              <a:t>, </a:t>
-            </a:r>
-            <a:r>
-              <a:rPr lang="ko-KR" altLang="en-US" sz="1000" dirty="0" smtClean="0"/>
-              <a:t>이전 버튼 클릭 시에 현재 선택된 </a:t>
-            </a:r>
-            <a:r>
-              <a:rPr lang="ko-KR" altLang="en-US" sz="1000" dirty="0" err="1" smtClean="0"/>
-              <a:t>기준노드에서</a:t>
-            </a:r>
-            <a:r>
-              <a:rPr lang="ko-KR" altLang="en-US" sz="1000" dirty="0" smtClean="0"/>
-              <a:t> 이전 </a:t>
-            </a:r>
-            <a:r>
-              <a:rPr lang="en-US" altLang="ko-KR" sz="1000" dirty="0" err="1" smtClean="0"/>
-              <a:t>tr</a:t>
-            </a:r>
-            <a:r>
-              <a:rPr lang="ko-KR" altLang="en-US" sz="1000" dirty="0" err="1" smtClean="0"/>
-              <a:t>노드를</a:t>
-            </a:r>
-            <a:r>
-              <a:rPr lang="ko-KR" altLang="en-US" sz="1000" dirty="0" smtClean="0"/>
-              <a:t> 선택이 되어진 </a:t>
-            </a:r>
-            <a:r>
-              <a:rPr lang="ko-KR" altLang="en-US" sz="1000" dirty="0" err="1" smtClean="0"/>
-              <a:t>노드로</a:t>
-            </a:r>
-            <a:r>
-              <a:rPr lang="ko-KR" altLang="en-US" sz="1000" dirty="0" smtClean="0"/>
-              <a:t> 변경하는 코드이다</a:t>
-            </a:r>
-            <a:r>
-              <a:rPr lang="en-US" altLang="ko-KR" sz="1000" dirty="0" smtClean="0"/>
-              <a:t>.</a:t>
-            </a:r>
-          </a:p>
-          <a:p>
-            <a:endParaRPr lang="en-US" altLang="ko-KR" sz="1000" dirty="0"/>
-          </a:p>
-          <a:p>
-            <a:r>
-              <a:rPr lang="en-US" altLang="ko-KR" sz="1000" dirty="0" smtClean="0"/>
-              <a:t>551~555 line -&gt; </a:t>
-            </a:r>
-            <a:r>
-              <a:rPr lang="ko-KR" altLang="en-US" sz="1000" dirty="0" err="1" smtClean="0"/>
-              <a:t>현재노드와</a:t>
-            </a:r>
-            <a:r>
-              <a:rPr lang="ko-KR" altLang="en-US" sz="1000" dirty="0" smtClean="0"/>
-              <a:t> 이전 </a:t>
-            </a:r>
-            <a:r>
-              <a:rPr lang="ko-KR" altLang="en-US" sz="1000" dirty="0" err="1" smtClean="0"/>
-              <a:t>노드의</a:t>
-            </a:r>
-            <a:r>
-              <a:rPr lang="ko-KR" altLang="en-US" sz="1000" dirty="0" smtClean="0"/>
-              <a:t> 간격 </a:t>
-            </a:r>
-            <a:r>
-              <a:rPr lang="en-US" altLang="ko-KR" sz="1000" dirty="0" smtClean="0"/>
-              <a:t>pixel</a:t>
-            </a:r>
-            <a:r>
-              <a:rPr lang="ko-KR" altLang="en-US" sz="1000" dirty="0" smtClean="0"/>
-              <a:t>을 구하는 코드이다</a:t>
-            </a:r>
-            <a:r>
-              <a:rPr lang="en-US" altLang="ko-KR" sz="1000" dirty="0" smtClean="0"/>
-              <a:t>.</a:t>
-            </a:r>
-          </a:p>
-          <a:p>
-            <a:endParaRPr lang="en-US" altLang="ko-KR" sz="1000" dirty="0" smtClean="0"/>
-          </a:p>
-          <a:p>
-            <a:r>
-              <a:rPr lang="en-US" altLang="ko-KR" sz="1000" dirty="0" smtClean="0"/>
-              <a:t>560 line -&gt; </a:t>
-            </a:r>
-            <a:r>
-              <a:rPr lang="ko-KR" altLang="en-US" sz="1000" dirty="0" smtClean="0"/>
-              <a:t>변경되어지는 선택된 </a:t>
-            </a:r>
-            <a:r>
-              <a:rPr lang="ko-KR" altLang="en-US" sz="1000" dirty="0" err="1" smtClean="0"/>
-              <a:t>노드는</a:t>
-            </a:r>
-            <a:r>
-              <a:rPr lang="ko-KR" altLang="en-US" sz="1000" dirty="0" smtClean="0"/>
-              <a:t> </a:t>
-            </a:r>
-            <a:r>
-              <a:rPr lang="ko-KR" altLang="en-US" sz="1000" dirty="0" err="1" smtClean="0"/>
-              <a:t>이전노드임으로</a:t>
-            </a:r>
-            <a:r>
-              <a:rPr lang="ko-KR" altLang="en-US" sz="1000" dirty="0" smtClean="0"/>
-              <a:t> </a:t>
-            </a:r>
-            <a:r>
-              <a:rPr lang="ko-KR" altLang="en-US" sz="1000" dirty="0" err="1" smtClean="0"/>
-              <a:t>이전노드의</a:t>
-            </a:r>
-            <a:r>
-              <a:rPr lang="ko-KR" altLang="en-US" sz="1000" dirty="0" smtClean="0"/>
-              <a:t> </a:t>
-            </a:r>
-            <a:r>
-              <a:rPr lang="en-US" altLang="ko-KR" sz="1000" dirty="0" smtClean="0"/>
-              <a:t>index </a:t>
-            </a:r>
-            <a:r>
-              <a:rPr lang="ko-KR" altLang="en-US" sz="1000" dirty="0" smtClean="0"/>
-              <a:t>번호를 가져오는 코드이다</a:t>
-            </a:r>
-            <a:r>
-              <a:rPr lang="en-US" altLang="ko-KR" sz="1000" dirty="0" smtClean="0"/>
-              <a:t>.</a:t>
-            </a:r>
-          </a:p>
-          <a:p>
-            <a:endParaRPr lang="en-US" altLang="ko-KR" sz="1000" dirty="0"/>
-          </a:p>
-          <a:p>
-            <a:r>
-              <a:rPr lang="en-US" altLang="ko-KR" sz="1000" dirty="0" smtClean="0"/>
-              <a:t>562 line -&gt; </a:t>
-            </a:r>
-            <a:r>
-              <a:rPr lang="en-US" altLang="ko-KR" sz="1000" dirty="0" err="1" smtClean="0"/>
-              <a:t>div_offset</a:t>
-            </a:r>
-            <a:r>
-              <a:rPr lang="en-US" altLang="ko-KR" sz="1000" dirty="0" smtClean="0"/>
-              <a:t> </a:t>
-            </a:r>
-            <a:r>
-              <a:rPr lang="ko-KR" altLang="en-US" sz="1000" dirty="0" smtClean="0"/>
-              <a:t>과 </a:t>
-            </a:r>
-            <a:r>
-              <a:rPr lang="en-US" altLang="ko-KR" sz="1000" dirty="0" err="1" smtClean="0"/>
-              <a:t>prev_index</a:t>
-            </a:r>
-            <a:r>
-              <a:rPr lang="ko-KR" altLang="en-US" sz="1000" dirty="0" smtClean="0"/>
-              <a:t>를 곱하면 선택된 </a:t>
-            </a:r>
-            <a:r>
-              <a:rPr lang="ko-KR" altLang="en-US" sz="1000" dirty="0" err="1" smtClean="0"/>
-              <a:t>노드의</a:t>
-            </a:r>
-            <a:r>
-              <a:rPr lang="ko-KR" altLang="en-US" sz="1000" dirty="0" smtClean="0"/>
-              <a:t> </a:t>
-            </a:r>
-            <a:r>
-              <a:rPr lang="en-US" altLang="ko-KR" sz="1000" dirty="0" err="1" smtClean="0"/>
-              <a:t>scrollY</a:t>
-            </a:r>
-            <a:r>
-              <a:rPr lang="en-US" altLang="ko-KR" sz="1000" dirty="0" smtClean="0"/>
-              <a:t> offset</a:t>
-            </a:r>
-            <a:r>
-              <a:rPr lang="ko-KR" altLang="en-US" sz="1000" dirty="0" smtClean="0"/>
-              <a:t>을 </a:t>
-            </a:r>
-            <a:r>
-              <a:rPr lang="ko-KR" altLang="en-US" sz="1000" dirty="0" err="1" smtClean="0"/>
-              <a:t>구할수</a:t>
-            </a:r>
-            <a:r>
-              <a:rPr lang="ko-KR" altLang="en-US" sz="1000" dirty="0" smtClean="0"/>
-              <a:t> 있다</a:t>
-            </a:r>
-            <a:r>
-              <a:rPr lang="en-US" altLang="ko-KR" sz="1000" dirty="0" smtClean="0"/>
-              <a:t>.</a:t>
-            </a:r>
-          </a:p>
-          <a:p>
-            <a:endParaRPr lang="en-US" altLang="ko-KR" sz="1000" dirty="0"/>
-          </a:p>
-          <a:p>
-            <a:r>
-              <a:rPr lang="en-US" altLang="ko-KR" sz="1000" dirty="0" smtClean="0"/>
-              <a:t>565 line  -&gt; </a:t>
-            </a:r>
-            <a:r>
-              <a:rPr lang="en-US" altLang="ko-KR" sz="1000" dirty="0" err="1" smtClean="0"/>
-              <a:t>datatable</a:t>
-            </a:r>
-            <a:r>
-              <a:rPr lang="ko-KR" altLang="en-US" sz="1000" dirty="0" smtClean="0"/>
-              <a:t>의 </a:t>
-            </a:r>
-            <a:r>
-              <a:rPr lang="en-US" altLang="ko-KR" sz="1000" dirty="0" smtClean="0"/>
-              <a:t>scroll </a:t>
-            </a:r>
-            <a:r>
-              <a:rPr lang="ko-KR" altLang="en-US" sz="1000" dirty="0" smtClean="0"/>
-              <a:t>옵션을 활성화하면 </a:t>
-            </a:r>
-            <a:r>
-              <a:rPr lang="en-US" altLang="ko-KR" sz="1000" dirty="0" smtClean="0"/>
-              <a:t>.</a:t>
-            </a:r>
-            <a:r>
-              <a:rPr lang="en-US" altLang="ko-KR" sz="1000" dirty="0" err="1" smtClean="0"/>
-              <a:t>dataTables_scrollBody</a:t>
-            </a:r>
-            <a:r>
-              <a:rPr lang="en-US" altLang="ko-KR" sz="1000" dirty="0" smtClean="0"/>
-              <a:t> </a:t>
-            </a:r>
-            <a:r>
-              <a:rPr lang="ko-KR" altLang="en-US" sz="1000" dirty="0" smtClean="0"/>
-              <a:t>클래스의 </a:t>
-            </a:r>
-            <a:r>
-              <a:rPr lang="en-US" altLang="ko-KR" sz="1000" dirty="0" smtClean="0"/>
-              <a:t>div</a:t>
-            </a:r>
-            <a:r>
-              <a:rPr lang="ko-KR" altLang="en-US" sz="1000" dirty="0" smtClean="0"/>
-              <a:t>가 생성되며 해당 </a:t>
-            </a:r>
-            <a:r>
-              <a:rPr lang="en-US" altLang="ko-KR" sz="1000" dirty="0" smtClean="0"/>
-              <a:t>div</a:t>
-            </a:r>
-            <a:r>
-              <a:rPr lang="ko-KR" altLang="en-US" sz="1000" dirty="0" smtClean="0"/>
-              <a:t>내 스크롤이 생성된다</a:t>
-            </a:r>
-            <a:r>
-              <a:rPr lang="en-US" altLang="ko-KR" sz="1000" dirty="0" smtClean="0"/>
-              <a:t>. </a:t>
-            </a:r>
-            <a:r>
-              <a:rPr lang="ko-KR" altLang="en-US" sz="1000" dirty="0" smtClean="0"/>
-              <a:t>그러므로 해당 </a:t>
-            </a:r>
-            <a:r>
-              <a:rPr lang="en-US" altLang="ko-KR" sz="1000" dirty="0" smtClean="0"/>
-              <a:t>div</a:t>
-            </a:r>
-            <a:r>
-              <a:rPr lang="ko-KR" altLang="en-US" sz="1000" dirty="0" smtClean="0"/>
-              <a:t>에서 </a:t>
-            </a:r>
-            <a:r>
-              <a:rPr lang="en-US" altLang="ko-KR" sz="1000" dirty="0" err="1" smtClean="0"/>
-              <a:t>scrollTop</a:t>
-            </a:r>
-            <a:r>
-              <a:rPr lang="en-US" altLang="ko-KR" sz="1000" dirty="0" smtClean="0"/>
-              <a:t> </a:t>
-            </a:r>
-            <a:r>
-              <a:rPr lang="ko-KR" altLang="en-US" sz="1000" dirty="0" smtClean="0"/>
-              <a:t>함수를 통하여 최종 </a:t>
-            </a:r>
-            <a:r>
-              <a:rPr lang="en-US" altLang="ko-KR" sz="1000" dirty="0" smtClean="0"/>
-              <a:t>scroll offset</a:t>
-            </a:r>
-            <a:r>
-              <a:rPr lang="ko-KR" altLang="en-US" sz="1000" dirty="0" smtClean="0"/>
-              <a:t>을 </a:t>
-            </a:r>
-            <a:r>
-              <a:rPr lang="ko-KR" altLang="en-US" sz="1000" dirty="0" err="1" smtClean="0"/>
-              <a:t>셋팅하면</a:t>
-            </a:r>
-            <a:r>
-              <a:rPr lang="ko-KR" altLang="en-US" sz="1000" dirty="0" smtClean="0"/>
-              <a:t> 된다</a:t>
-            </a:r>
-            <a:r>
-              <a:rPr lang="en-US" altLang="ko-KR" sz="1000" dirty="0" smtClean="0"/>
-              <a:t>.</a:t>
-            </a:r>
-          </a:p>
-          <a:p>
-            <a:endParaRPr lang="en-US" altLang="ko-KR" sz="1000" dirty="0"/>
-          </a:p>
-          <a:p>
-            <a:r>
-              <a:rPr lang="en-US" altLang="ko-KR" sz="1000" dirty="0" smtClean="0"/>
-              <a:t>※558line</a:t>
-            </a:r>
-            <a:r>
-              <a:rPr lang="ko-KR" altLang="en-US" sz="1000" dirty="0" smtClean="0"/>
-              <a:t>은 잘못된 코드</a:t>
-            </a:r>
-            <a:r>
-              <a:rPr lang="en-US" altLang="ko-KR" sz="1000" dirty="0" smtClean="0"/>
-              <a:t>(</a:t>
-            </a:r>
-            <a:r>
-              <a:rPr lang="ko-KR" altLang="en-US" sz="1000" dirty="0" smtClean="0"/>
-              <a:t>무시</a:t>
-            </a:r>
-            <a:r>
-              <a:rPr lang="en-US" altLang="ko-KR" sz="1000" smtClean="0"/>
-              <a:t>)</a:t>
-            </a:r>
-            <a:endParaRPr lang="ko-KR" altLang="en-US" sz="1000" dirty="0"/>
-          </a:p>
-        </p:txBody>
-      </p:sp>
-    </p:spTree>
-    <p:extLst>
-      <p:ext uri="{BB962C8B-B14F-4D97-AF65-F5344CB8AC3E}">
-        <p14:creationId xmlns:p14="http://schemas.microsoft.com/office/powerpoint/2010/main" val="818123536"/>
-      </p:ext>
-    </p:extLst>
-  </p:cSld>
-  <p:clrMapOvr>
-    <a:masterClrMapping/>
-  </p:clrMapOvr>
-</p:sld>
-</file>
-
 <file path=ppt/theme/theme1.xml><?xml version="1.0" encoding="utf-8"?>
 <a:theme xmlns:a="http://schemas.openxmlformats.org/drawingml/2006/main" name="Office 테마">
   <a:themeElements>
